--- a/Lecture/R Shiny/R_Shiny_Lecture.pptx
+++ b/Lecture/R Shiny/R_Shiny_Lecture.pptx
@@ -309,7 +309,7 @@
               <a:pPr>
                 <a:defRPr/>
               </a:pPr>
-              <a:t>1/10/2019</a:t>
+              <a:t>4/11/2019</a:t>
             </a:fld>
             <a:endParaRPr lang="en-US" dirty="0"/>
           </a:p>
@@ -521,7 +521,7 @@
               <a:pPr>
                 <a:defRPr/>
               </a:pPr>
-              <a:t>1/10/2019</a:t>
+              <a:t>4/11/2019</a:t>
             </a:fld>
             <a:endParaRPr lang="en-US" dirty="0"/>
           </a:p>
@@ -1040,7 +1040,7 @@
               <a:pPr>
                 <a:defRPr/>
               </a:pPr>
-              <a:t>1/10/2019</a:t>
+              <a:t>4/11/2019</a:t>
             </a:fld>
             <a:endParaRPr lang="en-US" dirty="0"/>
           </a:p>
@@ -1230,7 +1230,7 @@
               <a:pPr>
                 <a:defRPr/>
               </a:pPr>
-              <a:t>1/10/2019</a:t>
+              <a:t>4/11/2019</a:t>
             </a:fld>
             <a:endParaRPr lang="en-US" dirty="0"/>
           </a:p>
@@ -1430,7 +1430,7 @@
               <a:pPr>
                 <a:defRPr/>
               </a:pPr>
-              <a:t>1/10/2019</a:t>
+              <a:t>4/11/2019</a:t>
             </a:fld>
             <a:endParaRPr lang="en-US" dirty="0"/>
           </a:p>
@@ -1698,7 +1698,7 @@
               <a:pPr>
                 <a:defRPr/>
               </a:pPr>
-              <a:t>1/10/2019</a:t>
+              <a:t>4/11/2019</a:t>
             </a:fld>
             <a:endParaRPr lang="en-US" dirty="0">
               <a:solidFill>
@@ -1912,7 +1912,7 @@
               <a:pPr>
                 <a:defRPr/>
               </a:pPr>
-              <a:t>1/10/2019</a:t>
+              <a:t>4/11/2019</a:t>
             </a:fld>
             <a:endParaRPr lang="en-US" dirty="0">
               <a:solidFill>
@@ -2203,7 +2203,7 @@
               <a:pPr>
                 <a:defRPr/>
               </a:pPr>
-              <a:t>1/10/2019</a:t>
+              <a:t>4/11/2019</a:t>
             </a:fld>
             <a:endParaRPr lang="en-US" dirty="0">
               <a:solidFill>
@@ -2534,7 +2534,7 @@
               <a:pPr>
                 <a:defRPr/>
               </a:pPr>
-              <a:t>1/10/2019</a:t>
+              <a:t>4/11/2019</a:t>
             </a:fld>
             <a:endParaRPr lang="en-US" dirty="0">
               <a:solidFill>
@@ -2999,7 +2999,7 @@
               <a:pPr>
                 <a:defRPr/>
               </a:pPr>
-              <a:t>1/10/2019</a:t>
+              <a:t>4/11/2019</a:t>
             </a:fld>
             <a:endParaRPr lang="en-US" dirty="0">
               <a:solidFill>
@@ -3162,7 +3162,7 @@
               <a:pPr>
                 <a:defRPr/>
               </a:pPr>
-              <a:t>1/10/2019</a:t>
+              <a:t>4/11/2019</a:t>
             </a:fld>
             <a:endParaRPr lang="en-US" dirty="0">
               <a:solidFill>
@@ -3303,7 +3303,7 @@
               <a:pPr>
                 <a:defRPr/>
               </a:pPr>
-              <a:t>1/10/2019</a:t>
+              <a:t>4/11/2019</a:t>
             </a:fld>
             <a:endParaRPr lang="en-US" dirty="0">
               <a:solidFill>
@@ -3624,7 +3624,7 @@
               <a:pPr>
                 <a:defRPr/>
               </a:pPr>
-              <a:t>1/10/2019</a:t>
+              <a:t>4/11/2019</a:t>
             </a:fld>
             <a:endParaRPr lang="en-US" dirty="0">
               <a:solidFill>
@@ -3832,7 +3832,7 @@
               <a:pPr>
                 <a:defRPr/>
               </a:pPr>
-              <a:t>1/10/2019</a:t>
+              <a:t>4/11/2019</a:t>
             </a:fld>
             <a:endParaRPr lang="en-US" dirty="0"/>
           </a:p>
@@ -4115,7 +4115,7 @@
               <a:pPr>
                 <a:defRPr/>
               </a:pPr>
-              <a:t>1/10/2019</a:t>
+              <a:t>4/11/2019</a:t>
             </a:fld>
             <a:endParaRPr lang="en-US" dirty="0">
               <a:solidFill>
@@ -4329,7 +4329,7 @@
               <a:pPr>
                 <a:defRPr/>
               </a:pPr>
-              <a:t>1/10/2019</a:t>
+              <a:t>4/11/2019</a:t>
             </a:fld>
             <a:endParaRPr lang="en-US" dirty="0">
               <a:solidFill>
@@ -4553,7 +4553,7 @@
               <a:pPr>
                 <a:defRPr/>
               </a:pPr>
-              <a:t>1/10/2019</a:t>
+              <a:t>4/11/2019</a:t>
             </a:fld>
             <a:endParaRPr lang="en-US" dirty="0">
               <a:solidFill>
@@ -4763,7 +4763,7 @@
               <a:pPr>
                 <a:defRPr/>
               </a:pPr>
-              <a:t>1/10/2019</a:t>
+              <a:t>4/11/2019</a:t>
             </a:fld>
             <a:endParaRPr lang="en-US" dirty="0">
               <a:solidFill>
@@ -5040,7 +5040,7 @@
               <a:pPr>
                 <a:defRPr/>
               </a:pPr>
-              <a:t>1/10/2019</a:t>
+              <a:t>4/11/2019</a:t>
             </a:fld>
             <a:endParaRPr lang="en-US" dirty="0"/>
           </a:p>
@@ -5347,7 +5347,7 @@
               <a:pPr>
                 <a:defRPr/>
               </a:pPr>
-              <a:t>1/10/2019</a:t>
+              <a:t>4/11/2019</a:t>
             </a:fld>
             <a:endParaRPr lang="en-US" dirty="0"/>
           </a:p>
@@ -5788,7 +5788,7 @@
               <a:pPr>
                 <a:defRPr/>
               </a:pPr>
-              <a:t>1/10/2019</a:t>
+              <a:t>4/11/2019</a:t>
             </a:fld>
             <a:endParaRPr lang="en-US" dirty="0"/>
           </a:p>
@@ -5927,7 +5927,7 @@
               <a:pPr>
                 <a:defRPr/>
               </a:pPr>
-              <a:t>1/10/2019</a:t>
+              <a:t>4/11/2019</a:t>
             </a:fld>
             <a:endParaRPr lang="en-US" dirty="0"/>
           </a:p>
@@ -6044,7 +6044,7 @@
               <a:pPr>
                 <a:defRPr/>
               </a:pPr>
-              <a:t>1/10/2019</a:t>
+              <a:t>4/11/2019</a:t>
             </a:fld>
             <a:endParaRPr lang="en-US" dirty="0"/>
           </a:p>
@@ -6341,7 +6341,7 @@
               <a:pPr>
                 <a:defRPr/>
               </a:pPr>
-              <a:t>1/10/2019</a:t>
+              <a:t>4/11/2019</a:t>
             </a:fld>
             <a:endParaRPr lang="en-US" dirty="0"/>
           </a:p>
@@ -6618,7 +6618,7 @@
               <a:pPr>
                 <a:defRPr/>
               </a:pPr>
-              <a:t>1/10/2019</a:t>
+              <a:t>4/11/2019</a:t>
             </a:fld>
             <a:endParaRPr lang="en-US" dirty="0"/>
           </a:p>
@@ -6875,7 +6875,7 @@
               <a:pPr>
                 <a:defRPr/>
               </a:pPr>
-              <a:t>1/10/2019</a:t>
+              <a:t>4/11/2019</a:t>
             </a:fld>
             <a:endParaRPr lang="en-US" dirty="0"/>
           </a:p>
@@ -7585,7 +7585,7 @@
               <a:pPr>
                 <a:defRPr/>
               </a:pPr>
-              <a:t>1/10/2019</a:t>
+              <a:t>4/11/2019</a:t>
             </a:fld>
             <a:endParaRPr lang="en-US" dirty="0">
               <a:solidFill>
@@ -9242,7 +9242,7 @@
         <p:spPr>
           <a:xfrm>
             <a:off x="3810000" y="643467"/>
-            <a:ext cx="5334000" cy="5262979"/>
+            <a:ext cx="5334000" cy="4893647"/>
           </a:xfrm>
           <a:prstGeom prst="rect">
             <a:avLst/>
@@ -9270,6 +9270,18 @@
             </a:r>
           </a:p>
           <a:p>
+            <a:pPr marL="342900" indent="-342900">
+              <a:buFont typeface="Arial" panose="020B0604020202020204" pitchFamily="34" charset="0"/>
+              <a:buChar char="•"/>
+              <a:defRPr/>
+            </a:pPr>
+            <a:endParaRPr lang="en-US" dirty="0">
+              <a:solidFill>
+                <a:srgbClr val="404040"/>
+              </a:solidFill>
+            </a:endParaRPr>
+          </a:p>
+          <a:p>
             <a:pPr marL="800100" lvl="1" indent="-342900">
               <a:buFont typeface="Arial" panose="020B0604020202020204" pitchFamily="34" charset="0"/>
               <a:buChar char="•"/>
@@ -9285,16 +9297,6 @@
             </a:r>
           </a:p>
           <a:p>
-            <a:pPr lvl="1">
-              <a:defRPr/>
-            </a:pPr>
-            <a:endParaRPr lang="en-US" dirty="0">
-              <a:solidFill>
-                <a:srgbClr val="404040"/>
-              </a:solidFill>
-            </a:endParaRPr>
-          </a:p>
-          <a:p>
             <a:pPr marL="1257300" lvl="2" indent="-342900">
               <a:buFont typeface="Arial" panose="020B0604020202020204" pitchFamily="34" charset="0"/>
               <a:buChar char="•"/>
@@ -9316,16 +9318,6 @@
               </a:rPr>
               <a:t> = Unique Variable Name So Server Knows When to Use It</a:t>
             </a:r>
-          </a:p>
-          <a:p>
-            <a:pPr lvl="2">
-              <a:defRPr/>
-            </a:pPr>
-            <a:endParaRPr lang="en-US" dirty="0">
-              <a:solidFill>
-                <a:srgbClr val="404040"/>
-              </a:solidFill>
-            </a:endParaRPr>
           </a:p>
           <a:p>
             <a:pPr marL="1257300" lvl="2" indent="-342900">
@@ -9677,7 +9669,7 @@
         <p:spPr>
           <a:xfrm>
             <a:off x="3810000" y="643467"/>
-            <a:ext cx="5334000" cy="4154984"/>
+            <a:ext cx="5334000" cy="4524315"/>
           </a:xfrm>
           <a:prstGeom prst="rect">
             <a:avLst/>
@@ -9703,6 +9695,18 @@
               </a:rPr>
               <a:t>Types of Outputs (UI)</a:t>
             </a:r>
+          </a:p>
+          <a:p>
+            <a:pPr marL="342900" indent="-342900">
+              <a:buFont typeface="Arial" panose="020B0604020202020204" pitchFamily="34" charset="0"/>
+              <a:buChar char="•"/>
+              <a:defRPr/>
+            </a:pPr>
+            <a:endParaRPr lang="en-US" dirty="0">
+              <a:solidFill>
+                <a:srgbClr val="404040"/>
+              </a:solidFill>
+            </a:endParaRPr>
           </a:p>
           <a:p>
             <a:pPr marL="800100" lvl="1" indent="-342900">
@@ -9852,7 +9856,7 @@
         </p:blipFill>
         <p:spPr>
           <a:xfrm>
-            <a:off x="3929179" y="1866900"/>
+            <a:off x="3929179" y="2240782"/>
             <a:ext cx="5071416" cy="3124200"/>
           </a:xfrm>
           <a:prstGeom prst="rect">
@@ -10114,7 +10118,7 @@
         <p:spPr>
           <a:xfrm>
             <a:off x="3810000" y="643467"/>
-            <a:ext cx="5334000" cy="7848302"/>
+            <a:ext cx="5334000" cy="8217634"/>
           </a:xfrm>
           <a:prstGeom prst="rect">
             <a:avLst/>
@@ -10140,6 +10144,18 @@
               </a:rPr>
               <a:t>Types of Outputs (UI)</a:t>
             </a:r>
+          </a:p>
+          <a:p>
+            <a:pPr marL="342900" indent="-342900">
+              <a:buFont typeface="Arial" panose="020B0604020202020204" pitchFamily="34" charset="0"/>
+              <a:buChar char="•"/>
+              <a:defRPr/>
+            </a:pPr>
+            <a:endParaRPr lang="en-US" dirty="0">
+              <a:solidFill>
+                <a:srgbClr val="404040"/>
+              </a:solidFill>
+            </a:endParaRPr>
           </a:p>
           <a:p>
             <a:pPr marL="800100" lvl="1" indent="-342900">
@@ -10391,7 +10407,7 @@
         </p:blipFill>
         <p:spPr>
           <a:xfrm>
-            <a:off x="4148005" y="1920685"/>
+            <a:off x="4148005" y="2230247"/>
             <a:ext cx="4305300" cy="619125"/>
           </a:xfrm>
           <a:prstGeom prst="rect">
@@ -10440,7 +10456,7 @@
         </p:blipFill>
         <p:spPr>
           <a:xfrm>
-            <a:off x="3578886" y="3733800"/>
+            <a:off x="3578886" y="4038600"/>
             <a:ext cx="5443538" cy="2743200"/>
           </a:xfrm>
           <a:prstGeom prst="rect">
@@ -10951,7 +10967,7 @@
                   <a:srgbClr val="404040"/>
                 </a:solidFill>
               </a:rPr>
-              <a:t>Step 1: Download Tutorial 17</a:t>
+              <a:t>Step 1: Download Tutorial</a:t>
             </a:r>
           </a:p>
           <a:p>
@@ -19793,10 +19809,10 @@
       </p:sp>
       <p:pic>
         <p:nvPicPr>
-          <p:cNvPr id="19" name="Picture 18">
+          <p:cNvPr id="3" name="Picture 2">
             <a:extLst>
               <a:ext uri="{FF2B5EF4-FFF2-40B4-BE49-F238E27FC236}">
-                <a16:creationId xmlns:a16="http://schemas.microsoft.com/office/drawing/2014/main" id="{10C923FF-D6C1-41A3-B577-A946773527FB}"/>
+                <a16:creationId xmlns:a16="http://schemas.microsoft.com/office/drawing/2014/main" id="{80438546-9360-4037-8050-E69FBC7AD5B6}"/>
               </a:ext>
             </a:extLst>
           </p:cNvPr>
@@ -19813,8 +19829,8 @@
         </p:blipFill>
         <p:spPr>
           <a:xfrm>
-            <a:off x="3581400" y="3999549"/>
-            <a:ext cx="5484693" cy="1345302"/>
+            <a:off x="3581400" y="3745646"/>
+            <a:ext cx="4631343" cy="1359754"/>
           </a:xfrm>
           <a:prstGeom prst="rect">
             <a:avLst/>
@@ -19840,64 +19856,12 @@
           </a:fontRef>
         </p:style>
       </p:pic>
-      <p:sp>
-        <p:nvSpPr>
-          <p:cNvPr id="20" name="Arrow: Down 19">
+      <p:pic>
+        <p:nvPicPr>
+          <p:cNvPr id="10" name="Picture 9">
             <a:extLst>
               <a:ext uri="{FF2B5EF4-FFF2-40B4-BE49-F238E27FC236}">
-                <a16:creationId xmlns:a16="http://schemas.microsoft.com/office/drawing/2014/main" id="{18C97E64-3A31-4AA2-A11B-170794B83B0B}"/>
-              </a:ext>
-            </a:extLst>
-          </p:cNvPr>
-          <p:cNvSpPr/>
-          <p:nvPr/>
-        </p:nvSpPr>
-        <p:spPr>
-          <a:xfrm>
-            <a:off x="6127268" y="3672024"/>
-            <a:ext cx="457200" cy="270933"/>
-          </a:xfrm>
-          <a:prstGeom prst="downArrow">
-            <a:avLst/>
-          </a:prstGeom>
-          <a:solidFill>
-            <a:srgbClr val="404040"/>
-          </a:solidFill>
-          <a:ln>
-            <a:solidFill>
-              <a:srgbClr val="404040"/>
-            </a:solidFill>
-          </a:ln>
-        </p:spPr>
-        <p:style>
-          <a:lnRef idx="2">
-            <a:schemeClr val="dk1"/>
-          </a:lnRef>
-          <a:fillRef idx="1">
-            <a:schemeClr val="lt1"/>
-          </a:fillRef>
-          <a:effectRef idx="0">
-            <a:schemeClr val="dk1"/>
-          </a:effectRef>
-          <a:fontRef idx="minor">
-            <a:schemeClr val="dk1"/>
-          </a:fontRef>
-        </p:style>
-        <p:txBody>
-          <a:bodyPr rtlCol="0" anchor="ctr"/>
-          <a:lstStyle/>
-          <a:p>
-            <a:pPr algn="ctr"/>
-            <a:endParaRPr lang="en-US"/>
-          </a:p>
-        </p:txBody>
-      </p:sp>
-      <p:pic>
-        <p:nvPicPr>
-          <p:cNvPr id="23" name="Picture 22">
-            <a:extLst>
-              <a:ext uri="{FF2B5EF4-FFF2-40B4-BE49-F238E27FC236}">
-                <a16:creationId xmlns:a16="http://schemas.microsoft.com/office/drawing/2014/main" id="{C1DD7757-DB7C-4821-B410-988EBE7875BF}"/>
+                <a16:creationId xmlns:a16="http://schemas.microsoft.com/office/drawing/2014/main" id="{930FFE66-6FA7-4B2B-A27D-6A5704882596}"/>
               </a:ext>
             </a:extLst>
           </p:cNvPr>
@@ -19914,8 +19878,8 @@
         </p:blipFill>
         <p:spPr>
           <a:xfrm>
-            <a:off x="6477000" y="5053893"/>
-            <a:ext cx="2305050" cy="1533525"/>
+            <a:off x="6881479" y="5215125"/>
+            <a:ext cx="2186321" cy="1603302"/>
           </a:xfrm>
           <a:prstGeom prst="rect">
             <a:avLst/>
@@ -19957,8 +19921,8 @@
         </p:nvCxnSpPr>
         <p:spPr>
           <a:xfrm>
-            <a:off x="5584047" y="5279572"/>
-            <a:ext cx="969153" cy="934961"/>
+            <a:off x="6669367" y="5105400"/>
+            <a:ext cx="1103033" cy="1066800"/>
           </a:xfrm>
           <a:prstGeom prst="straightConnector1">
             <a:avLst/>
@@ -19985,6 +19949,58 @@
           </a:fontRef>
         </p:style>
       </p:cxnSp>
+      <p:sp>
+        <p:nvSpPr>
+          <p:cNvPr id="20" name="Arrow: Down 19">
+            <a:extLst>
+              <a:ext uri="{FF2B5EF4-FFF2-40B4-BE49-F238E27FC236}">
+                <a16:creationId xmlns:a16="http://schemas.microsoft.com/office/drawing/2014/main" id="{18C97E64-3A31-4AA2-A11B-170794B83B0B}"/>
+              </a:ext>
+            </a:extLst>
+          </p:cNvPr>
+          <p:cNvSpPr/>
+          <p:nvPr/>
+        </p:nvSpPr>
+        <p:spPr>
+          <a:xfrm>
+            <a:off x="6096000" y="3532773"/>
+            <a:ext cx="457200" cy="270933"/>
+          </a:xfrm>
+          <a:prstGeom prst="downArrow">
+            <a:avLst/>
+          </a:prstGeom>
+          <a:solidFill>
+            <a:srgbClr val="404040"/>
+          </a:solidFill>
+          <a:ln>
+            <a:solidFill>
+              <a:srgbClr val="404040"/>
+            </a:solidFill>
+          </a:ln>
+        </p:spPr>
+        <p:style>
+          <a:lnRef idx="2">
+            <a:schemeClr val="dk1"/>
+          </a:lnRef>
+          <a:fillRef idx="1">
+            <a:schemeClr val="lt1"/>
+          </a:fillRef>
+          <a:effectRef idx="0">
+            <a:schemeClr val="dk1"/>
+          </a:effectRef>
+          <a:fontRef idx="minor">
+            <a:schemeClr val="dk1"/>
+          </a:fontRef>
+        </p:style>
+        <p:txBody>
+          <a:bodyPr rtlCol="0" anchor="ctr"/>
+          <a:lstStyle/>
+          <a:p>
+            <a:pPr algn="ctr"/>
+            <a:endParaRPr lang="en-US"/>
+          </a:p>
+        </p:txBody>
+      </p:sp>
     </p:spTree>
     <p:custDataLst>
       <p:tags r:id="rId1"/>
@@ -21751,7 +21767,7 @@
         <p:spPr>
           <a:xfrm>
             <a:off x="3810000" y="643467"/>
-            <a:ext cx="5334000" cy="6740307"/>
+            <a:ext cx="5334000" cy="6370975"/>
           </a:xfrm>
           <a:prstGeom prst="rect">
             <a:avLst/>
@@ -21826,21 +21842,6 @@
                 </a:solidFill>
               </a:rPr>
               <a:t>Written in HTML</a:t>
-            </a:r>
-          </a:p>
-          <a:p>
-            <a:pPr marL="1257300" lvl="2" indent="-342900">
-              <a:buFont typeface="Arial" panose="020B0604020202020204" pitchFamily="34" charset="0"/>
-              <a:buChar char="•"/>
-              <a:defRPr/>
-            </a:pPr>
-            <a:r>
-              <a:rPr lang="en-US" dirty="0">
-                <a:solidFill>
-                  <a:srgbClr val="404040"/>
-                </a:solidFill>
-              </a:rPr>
-              <a:t>Displays Output</a:t>
             </a:r>
           </a:p>
           <a:p>
@@ -22053,7 +22054,7 @@
         </p:blipFill>
         <p:spPr>
           <a:xfrm>
-            <a:off x="7620000" y="4010460"/>
+            <a:off x="7620000" y="3721669"/>
             <a:ext cx="1428750" cy="1662206"/>
           </a:xfrm>
           <a:prstGeom prst="rect">

--- a/Lecture/R Shiny/R_Shiny_Lecture.pptx
+++ b/Lecture/R Shiny/R_Shiny_Lecture.pptx
@@ -8182,12 +8182,16 @@
               </a:lnSpc>
             </a:pPr>
             <a:r>
-              <a:rPr lang="en-US" sz="6000" i="1" dirty="0">
+              <a:rPr lang="en-US" sz="6000" i="1">
                 <a:ea typeface="+mj-ea"/>
                 <a:cs typeface="+mj-cs"/>
               </a:rPr>
-              <a:t>Shiny</a:t>
-            </a:r>
+              <a:t>R Shiny</a:t>
+            </a:r>
+            <a:endParaRPr lang="en-US" sz="6000" i="1" dirty="0">
+              <a:ea typeface="+mj-ea"/>
+              <a:cs typeface="+mj-cs"/>
+            </a:endParaRPr>
           </a:p>
         </p:txBody>
       </p:sp>
@@ -13778,10 +13782,10 @@
       </p:sp>
       <p:pic>
         <p:nvPicPr>
-          <p:cNvPr id="11" name="Picture 10">
+          <p:cNvPr id="3" name="Picture 2">
             <a:extLst>
               <a:ext uri="{FF2B5EF4-FFF2-40B4-BE49-F238E27FC236}">
-                <a16:creationId xmlns:a16="http://schemas.microsoft.com/office/drawing/2014/main" id="{3E585589-A087-4B3F-A1A4-18A8504AF830}"/>
+                <a16:creationId xmlns:a16="http://schemas.microsoft.com/office/drawing/2014/main" id="{23AEFAF3-2D84-402D-B0B8-B6F3262FCF0E}"/>
               </a:ext>
             </a:extLst>
           </p:cNvPr>
@@ -13798,8 +13802,8 @@
         </p:blipFill>
         <p:spPr>
           <a:xfrm>
-            <a:off x="3608278" y="1474464"/>
-            <a:ext cx="5432674" cy="3663276"/>
+            <a:off x="3581401" y="1497382"/>
+            <a:ext cx="5486400" cy="3406081"/>
           </a:xfrm>
           <a:prstGeom prst="rect">
             <a:avLst/>
